--- a/docs/vis.pptx
+++ b/docs/vis.pptx
@@ -4426,7 +4426,7 @@
           <p:nvPr>
             <p:extLst>
               <p:ext uri="{D42A27DB-BD31-4B8C-83A1-F6EECF244321}">
-                <p14:modId xmlns:p14="http://schemas.microsoft.com/office/powerpoint/2010/main" val="1025205597"/>
+                <p14:modId xmlns:p14="http://schemas.microsoft.com/office/powerpoint/2010/main" val="3066821482"/>
               </p:ext>
             </p:extLst>
           </p:nvPr>
@@ -4517,11 +4517,14 @@
                     <a:p>
                       <a:pPr marL="0" indent="179388" algn="l"/>
                       <a:r>
-                        <a:rPr lang="en-US" sz="1200" dirty="0">
+                        <a:rPr lang="en-US" sz="1200" dirty="0" err="1">
                           <a:latin typeface="JetBrains Mono" panose="020B0509020102050004" pitchFamily="49" charset="-52"/>
                         </a:rPr>
-                        <a:t>count</a:t>
+                        <a:t>key_count</a:t>
                       </a:r>
+                      <a:endParaRPr lang="en-US" sz="1200" dirty="0">
+                        <a:latin typeface="JetBrains Mono" panose="020B0509020102050004" pitchFamily="49" charset="-52"/>
+                      </a:endParaRPr>
                     </a:p>
                     <a:p>
                       <a:pPr marL="0" indent="179388" algn="l"/>
@@ -6558,7 +6561,7 @@
         </p:nvCxnSpPr>
         <p:spPr>
           <a:xfrm>
-            <a:off x="4290705" y="1347785"/>
+            <a:off x="4549876" y="2082257"/>
             <a:ext cx="617853" cy="948"/>
           </a:xfrm>
           <a:prstGeom prst="straightConnector1">
@@ -6606,7 +6609,7 @@
         </p:nvCxnSpPr>
         <p:spPr>
           <a:xfrm>
-            <a:off x="4290705" y="1748125"/>
+            <a:off x="4549876" y="2482597"/>
             <a:ext cx="617853" cy="0"/>
           </a:xfrm>
           <a:prstGeom prst="straightConnector1">
@@ -6650,7 +6653,7 @@
         </p:nvSpPr>
         <p:spPr>
           <a:xfrm>
-            <a:off x="4177981" y="1022211"/>
+            <a:off x="4437152" y="1756683"/>
             <a:ext cx="835485" cy="276999"/>
           </a:xfrm>
           <a:prstGeom prst="rect">
@@ -6690,7 +6693,7 @@
         </p:nvSpPr>
         <p:spPr>
           <a:xfrm>
-            <a:off x="4177981" y="1430434"/>
+            <a:off x="4437152" y="2164906"/>
             <a:ext cx="649537" cy="276999"/>
           </a:xfrm>
           <a:prstGeom prst="rect">
@@ -6731,14 +6734,14 @@
           <p:nvPr>
             <p:extLst>
               <p:ext uri="{D42A27DB-BD31-4B8C-83A1-F6EECF244321}">
-                <p14:modId xmlns:p14="http://schemas.microsoft.com/office/powerpoint/2010/main" val="2228674451"/>
+                <p14:modId xmlns:p14="http://schemas.microsoft.com/office/powerpoint/2010/main" val="2131205661"/>
               </p:ext>
             </p:extLst>
           </p:nvPr>
         </p:nvGraphicFramePr>
         <p:xfrm>
-          <a:off x="5452496" y="1091421"/>
-          <a:ext cx="5510779" cy="301393"/>
+          <a:off x="4100210" y="1091421"/>
+          <a:ext cx="6863066" cy="301393"/>
         </p:xfrm>
         <a:graphic>
           <a:graphicData uri="http://schemas.openxmlformats.org/drawingml/2006/table">
@@ -6747,14 +6750,14 @@
                 <a:tableStyleId>{5C22544A-7EE6-4342-B048-85BDC9FD1C3A}</a:tableStyleId>
               </a:tblPr>
               <a:tblGrid>
-                <a:gridCol w="1379513">
+                <a:gridCol w="1718031">
                   <a:extLst>
                     <a:ext uri="{9D8B030D-6E8A-4147-A177-3AD203B41FA5}">
                       <a16:colId xmlns:a16="http://schemas.microsoft.com/office/drawing/2014/main" val="3840393563"/>
                     </a:ext>
                   </a:extLst>
                 </a:gridCol>
-                <a:gridCol w="4131266">
+                <a:gridCol w="5145035">
                   <a:extLst>
                     <a:ext uri="{9D8B030D-6E8A-4147-A177-3AD203B41FA5}">
                       <a16:colId xmlns:a16="http://schemas.microsoft.com/office/drawing/2014/main" val="2995335745"/>
@@ -6798,10 +6801,10 @@
                           </a:solidFill>
                           <a:latin typeface="JetBrains Mono" panose="020B0509020102050004" pitchFamily="49" charset="-52"/>
                         </a:rPr>
-                        <a:t>1 class + </a:t>
+                        <a:t>1 class + 2 arrays + </a:t>
                       </a:r>
                       <a:r>
-                        <a:rPr lang="en-US" sz="1200" b="0" dirty="0" err="1">
+                        <a:rPr lang="en-US" sz="1200" b="0" i="0" dirty="0" err="1">
                           <a:solidFill>
                             <a:schemeClr val="tx1"/>
                           </a:solidFill>
@@ -6810,13 +6813,22 @@
                         <a:t>key_count</a:t>
                       </a:r>
                       <a:r>
+                        <a:rPr lang="en-US" sz="1200" b="0" i="0" dirty="0">
+                          <a:solidFill>
+                            <a:schemeClr val="tx1"/>
+                          </a:solidFill>
+                          <a:latin typeface="JetBrains Mono" panose="020B0509020102050004" pitchFamily="49" charset="-52"/>
+                        </a:rPr>
+                        <a:t> </a:t>
+                      </a:r>
+                      <a:r>
                         <a:rPr lang="en-US" sz="1200" b="0" dirty="0">
                           <a:solidFill>
                             <a:schemeClr val="tx1"/>
                           </a:solidFill>
                           <a:latin typeface="JetBrains Mono" panose="020B0509020102050004" pitchFamily="49" charset="-52"/>
                         </a:rPr>
-                        <a:t> * (1 class + 1 array)</a:t>
+                        <a:t>* (1 class + 1 array)</a:t>
                       </a:r>
                     </a:p>
                   </a:txBody>
@@ -7224,7 +7236,56 @@
         </p:nvCxnSpPr>
         <p:spPr>
           <a:xfrm>
-            <a:off x="11194575" y="3124283"/>
+            <a:off x="11282124" y="1552405"/>
+            <a:ext cx="0" cy="2332400"/>
+          </a:xfrm>
+          <a:prstGeom prst="straightConnector1">
+            <a:avLst/>
+          </a:prstGeom>
+          <a:ln w="25400" cap="rnd">
+            <a:solidFill>
+              <a:schemeClr val="accent6">
+                <a:lumMod val="40000"/>
+                <a:lumOff val="60000"/>
+              </a:schemeClr>
+            </a:solidFill>
+            <a:prstDash val="sysDash"/>
+            <a:headEnd w="lg" len="med"/>
+            <a:tailEnd type="none"/>
+          </a:ln>
+        </p:spPr>
+        <p:style>
+          <a:lnRef idx="2">
+            <a:schemeClr val="accent1"/>
+          </a:lnRef>
+          <a:fillRef idx="0">
+            <a:schemeClr val="accent1"/>
+          </a:fillRef>
+          <a:effectRef idx="1">
+            <a:schemeClr val="accent1"/>
+          </a:effectRef>
+          <a:fontRef idx="minor">
+            <a:schemeClr val="tx1"/>
+          </a:fontRef>
+        </p:style>
+      </p:cxnSp>
+      <p:cxnSp>
+        <p:nvCxnSpPr>
+          <p:cNvPr id="15" name="Straight Arrow Connector 14">
+            <a:extLst>
+              <a:ext uri="{FF2B5EF4-FFF2-40B4-BE49-F238E27FC236}">
+                <a16:creationId xmlns:a16="http://schemas.microsoft.com/office/drawing/2014/main" id="{9E1B3493-3976-A3E5-B81E-67926FAD9532}"/>
+              </a:ext>
+            </a:extLst>
+          </p:cNvPr>
+          <p:cNvCxnSpPr>
+            <a:cxnSpLocks/>
+          </p:cNvCxnSpPr>
+          <p:nvPr/>
+        </p:nvCxnSpPr>
+        <p:spPr>
+          <a:xfrm>
+            <a:off x="7912437" y="1539665"/>
             <a:ext cx="0" cy="2345140"/>
           </a:xfrm>
           <a:prstGeom prst="straightConnector1">
@@ -7259,10 +7320,10 @@
       </p:cxnSp>
       <p:cxnSp>
         <p:nvCxnSpPr>
-          <p:cNvPr id="15" name="Straight Arrow Connector 14">
-            <a:extLst>
-              <a:ext uri="{FF2B5EF4-FFF2-40B4-BE49-F238E27FC236}">
-                <a16:creationId xmlns:a16="http://schemas.microsoft.com/office/drawing/2014/main" id="{9E1B3493-3976-A3E5-B81E-67926FAD9532}"/>
+          <p:cNvPr id="14" name="Straight Arrow Connector 13">
+            <a:extLst>
+              <a:ext uri="{FF2B5EF4-FFF2-40B4-BE49-F238E27FC236}">
+                <a16:creationId xmlns:a16="http://schemas.microsoft.com/office/drawing/2014/main" id="{60C2A2D7-4128-D00D-0814-4E4694774071}"/>
               </a:ext>
             </a:extLst>
           </p:cNvPr>
@@ -7273,8 +7334,8 @@
         </p:nvCxnSpPr>
         <p:spPr>
           <a:xfrm>
-            <a:off x="7698429" y="3124283"/>
-            <a:ext cx="0" cy="2345140"/>
+            <a:off x="7920546" y="1539665"/>
+            <a:ext cx="3361578" cy="0"/>
           </a:xfrm>
           <a:prstGeom prst="straightConnector1">
             <a:avLst/>
@@ -7308,10 +7369,10 @@
       </p:cxnSp>
       <p:cxnSp>
         <p:nvCxnSpPr>
-          <p:cNvPr id="14" name="Straight Arrow Connector 13">
-            <a:extLst>
-              <a:ext uri="{FF2B5EF4-FFF2-40B4-BE49-F238E27FC236}">
-                <a16:creationId xmlns:a16="http://schemas.microsoft.com/office/drawing/2014/main" id="{60C2A2D7-4128-D00D-0814-4E4694774071}"/>
+          <p:cNvPr id="5" name="Straight Arrow Connector 4">
+            <a:extLst>
+              <a:ext uri="{FF2B5EF4-FFF2-40B4-BE49-F238E27FC236}">
+                <a16:creationId xmlns:a16="http://schemas.microsoft.com/office/drawing/2014/main" id="{81FC2639-4F39-2693-3768-DF1651D63637}"/>
               </a:ext>
             </a:extLst>
           </p:cNvPr>
@@ -7322,57 +7383,8 @@
         </p:nvCxnSpPr>
         <p:spPr>
           <a:xfrm>
-            <a:off x="7706538" y="3124283"/>
-            <a:ext cx="3488037" cy="0"/>
-          </a:xfrm>
-          <a:prstGeom prst="straightConnector1">
-            <a:avLst/>
-          </a:prstGeom>
-          <a:ln w="25400" cap="rnd">
-            <a:solidFill>
-              <a:schemeClr val="accent6">
-                <a:lumMod val="40000"/>
-                <a:lumOff val="60000"/>
-              </a:schemeClr>
-            </a:solidFill>
-            <a:prstDash val="sysDash"/>
-            <a:headEnd w="lg" len="med"/>
-            <a:tailEnd type="none"/>
-          </a:ln>
-        </p:spPr>
-        <p:style>
-          <a:lnRef idx="2">
-            <a:schemeClr val="accent1"/>
-          </a:lnRef>
-          <a:fillRef idx="0">
-            <a:schemeClr val="accent1"/>
-          </a:fillRef>
-          <a:effectRef idx="1">
-            <a:schemeClr val="accent1"/>
-          </a:effectRef>
-          <a:fontRef idx="minor">
-            <a:schemeClr val="tx1"/>
-          </a:fontRef>
-        </p:style>
-      </p:cxnSp>
-      <p:cxnSp>
-        <p:nvCxnSpPr>
-          <p:cNvPr id="5" name="Straight Arrow Connector 4">
-            <a:extLst>
-              <a:ext uri="{FF2B5EF4-FFF2-40B4-BE49-F238E27FC236}">
-                <a16:creationId xmlns:a16="http://schemas.microsoft.com/office/drawing/2014/main" id="{81FC2639-4F39-2693-3768-DF1651D63637}"/>
-              </a:ext>
-            </a:extLst>
-          </p:cNvPr>
-          <p:cNvCxnSpPr>
-            <a:cxnSpLocks/>
-          </p:cNvCxnSpPr>
-          <p:nvPr/>
-        </p:nvCxnSpPr>
-        <p:spPr>
-          <a:xfrm>
-            <a:off x="7706539" y="5469423"/>
-            <a:ext cx="3488037" cy="0"/>
+            <a:off x="7920547" y="3884805"/>
+            <a:ext cx="3361577" cy="0"/>
           </a:xfrm>
           <a:prstGeom prst="straightConnector1">
             <a:avLst/>
@@ -7508,7 +7520,7 @@
           <p:nvPr>
             <p:extLst>
               <p:ext uri="{D42A27DB-BD31-4B8C-83A1-F6EECF244321}">
-                <p14:modId xmlns:p14="http://schemas.microsoft.com/office/powerpoint/2010/main" val="851877847"/>
+                <p14:modId xmlns:p14="http://schemas.microsoft.com/office/powerpoint/2010/main" val="3963638006"/>
               </p:ext>
             </p:extLst>
           </p:nvPr>
@@ -7900,7 +7912,7 @@
                         <a:rPr lang="en-US" sz="1200" b="1" dirty="0">
                           <a:latin typeface="JetBrains Mono" panose="020B0509020102050004" pitchFamily="49" charset="-52"/>
                         </a:rPr>
-                        <a:t>0</a:t>
+                        <a:t>6</a:t>
                       </a:r>
                       <a:endParaRPr lang="ru-RU" sz="1200" b="1" dirty="0">
                         <a:latin typeface="JetBrains Mono" panose="020B0509020102050004" pitchFamily="49" charset="-52"/>
@@ -9270,14 +9282,14 @@
           <p:nvPr>
             <p:extLst>
               <p:ext uri="{D42A27DB-BD31-4B8C-83A1-F6EECF244321}">
-                <p14:modId xmlns:p14="http://schemas.microsoft.com/office/powerpoint/2010/main" val="522015220"/>
+                <p14:modId xmlns:p14="http://schemas.microsoft.com/office/powerpoint/2010/main" val="363153989"/>
               </p:ext>
             </p:extLst>
           </p:nvPr>
         </p:nvGraphicFramePr>
         <p:xfrm>
           <a:off x="9893853" y="1276387"/>
-          <a:ext cx="1123193" cy="4747035"/>
+          <a:ext cx="1123193" cy="4754310"/>
         </p:xfrm>
         <a:graphic>
           <a:graphicData uri="http://schemas.openxmlformats.org/drawingml/2006/table">
@@ -9294,7 +9306,7 @@
                   </a:extLst>
                 </a:gridCol>
               </a:tblGrid>
-              <a:tr h="316469">
+              <a:tr h="316954">
                 <a:tc>
                   <a:txBody>
                     <a:bodyPr/>
@@ -9323,7 +9335,7 @@
                   </a:ext>
                 </a:extLst>
               </a:tr>
-              <a:tr h="316469">
+              <a:tr h="316954">
                 <a:tc>
                   <a:txBody>
                     <a:bodyPr/>
@@ -9331,17 +9343,18 @@
                     <a:p>
                       <a:pPr algn="ctr"/>
                       <a:r>
-                        <a:rPr lang="en-US" sz="1200" dirty="0">
+                        <a:rPr lang="en-US" sz="1200" b="1" dirty="0">
                           <a:solidFill>
-                            <a:schemeClr val="bg2">
-                              <a:lumMod val="50000"/>
-                            </a:schemeClr>
+                            <a:schemeClr val="tx1"/>
                           </a:solidFill>
                           <a:latin typeface="JetBrains Mono" panose="020B0509020102050004" pitchFamily="49" charset="-52"/>
                         </a:rPr>
-                        <a:t>count(1)</a:t>
+                        <a:t>1</a:t>
                       </a:r>
                       <a:endParaRPr lang="ru-RU" sz="1200" b="1" dirty="0">
+                        <a:solidFill>
+                          <a:schemeClr val="tx1"/>
+                        </a:solidFill>
                         <a:latin typeface="JetBrains Mono" panose="020B0509020102050004" pitchFamily="49" charset="-52"/>
                       </a:endParaRPr>
                     </a:p>
@@ -9354,7 +9367,7 @@
                   </a:ext>
                 </a:extLst>
               </a:tr>
-              <a:tr h="316469">
+              <a:tr h="316954">
                 <a:tc>
                   <a:txBody>
                     <a:bodyPr/>
@@ -9377,7 +9390,7 @@
                   </a:ext>
                 </a:extLst>
               </a:tr>
-              <a:tr h="316469">
+              <a:tr h="316954">
                 <a:tc>
                   <a:txBody>
                     <a:bodyPr/>
@@ -9403,7 +9416,7 @@
                   </a:ext>
                 </a:extLst>
               </a:tr>
-              <a:tr h="316469">
+              <a:tr h="316954">
                 <a:tc>
                   <a:txBody>
                     <a:bodyPr/>
@@ -9411,15 +9424,10 @@
                     <a:p>
                       <a:pPr algn="ctr"/>
                       <a:r>
-                        <a:rPr lang="en-US" sz="1200" dirty="0">
-                          <a:solidFill>
-                            <a:schemeClr val="bg2">
-                              <a:lumMod val="50000"/>
-                            </a:schemeClr>
-                          </a:solidFill>
+                        <a:rPr lang="en-US" sz="1200" b="1" dirty="0">
                           <a:latin typeface="JetBrains Mono" panose="020B0509020102050004" pitchFamily="49" charset="-52"/>
                         </a:rPr>
-                        <a:t>count(3)</a:t>
+                        <a:t>5</a:t>
                       </a:r>
                       <a:endParaRPr lang="ru-RU" sz="1200" b="1" dirty="0">
                         <a:latin typeface="JetBrains Mono" panose="020B0509020102050004" pitchFamily="49" charset="-52"/>
@@ -9434,7 +9442,7 @@
                   </a:ext>
                 </a:extLst>
               </a:tr>
-              <a:tr h="316469">
+              <a:tr h="316954">
                 <a:tc>
                   <a:txBody>
                     <a:bodyPr/>
@@ -9454,7 +9462,7 @@
                   </a:ext>
                 </a:extLst>
               </a:tr>
-              <a:tr h="316469">
+              <a:tr h="316954">
                 <a:tc>
                   <a:txBody>
                     <a:bodyPr/>
@@ -9480,131 +9488,7 @@
                   </a:ext>
                 </a:extLst>
               </a:tr>
-              <a:tr h="316469">
-                <a:tc>
-                  <a:txBody>
-                    <a:bodyPr/>
-                    <a:lstStyle/>
-                    <a:p>
-                      <a:pPr algn="ctr"/>
-                      <a:r>
-                        <a:rPr lang="en-US" sz="1200" b="1" dirty="0">
-                          <a:latin typeface="JetBrains Mono" panose="020B0509020102050004" pitchFamily="49" charset="-52"/>
-                        </a:rPr>
-                        <a:t>7</a:t>
-                      </a:r>
-                      <a:endParaRPr lang="ru-RU" sz="1200" b="1" dirty="0">
-                        <a:latin typeface="JetBrains Mono" panose="020B0509020102050004" pitchFamily="49" charset="-52"/>
-                      </a:endParaRPr>
-                    </a:p>
-                  </a:txBody>
-                  <a:tcPr anchor="ctr"/>
-                </a:tc>
-                <a:extLst>
-                  <a:ext uri="{0D108BD9-81ED-4DB2-BD59-A6C34878D82A}">
-                    <a16:rowId xmlns:a16="http://schemas.microsoft.com/office/drawing/2014/main" val="4125251085"/>
-                  </a:ext>
-                </a:extLst>
-              </a:tr>
-              <a:tr h="316469">
-                <a:tc>
-                  <a:txBody>
-                    <a:bodyPr/>
-                    <a:lstStyle/>
-                    <a:p>
-                      <a:pPr algn="ctr"/>
-                      <a:r>
-                        <a:rPr lang="en-US" sz="1200" b="1" dirty="0">
-                          <a:latin typeface="JetBrains Mono" panose="020B0509020102050004" pitchFamily="49" charset="-52"/>
-                        </a:rPr>
-                        <a:t>8</a:t>
-                      </a:r>
-                      <a:endParaRPr lang="ru-RU" sz="1200" b="1" dirty="0">
-                        <a:latin typeface="JetBrains Mono" panose="020B0509020102050004" pitchFamily="49" charset="-52"/>
-                      </a:endParaRPr>
-                    </a:p>
-                  </a:txBody>
-                  <a:tcPr anchor="ctr"/>
-                </a:tc>
-                <a:extLst>
-                  <a:ext uri="{0D108BD9-81ED-4DB2-BD59-A6C34878D82A}">
-                    <a16:rowId xmlns:a16="http://schemas.microsoft.com/office/drawing/2014/main" val="1301926322"/>
-                  </a:ext>
-                </a:extLst>
-              </a:tr>
-              <a:tr h="316469">
-                <a:tc>
-                  <a:txBody>
-                    <a:bodyPr/>
-                    <a:lstStyle/>
-                    <a:p>
-                      <a:pPr algn="ctr"/>
-                      <a:r>
-                        <a:rPr lang="en-US" sz="1200" b="1" dirty="0">
-                          <a:latin typeface="JetBrains Mono" panose="020B0509020102050004" pitchFamily="49" charset="-52"/>
-                        </a:rPr>
-                        <a:t>10</a:t>
-                      </a:r>
-                      <a:endParaRPr lang="ru-RU" sz="1200" b="1" dirty="0">
-                        <a:latin typeface="JetBrains Mono" panose="020B0509020102050004" pitchFamily="49" charset="-52"/>
-                      </a:endParaRPr>
-                    </a:p>
-                  </a:txBody>
-                  <a:tcPr anchor="ctr"/>
-                </a:tc>
-                <a:extLst>
-                  <a:ext uri="{0D108BD9-81ED-4DB2-BD59-A6C34878D82A}">
-                    <a16:rowId xmlns:a16="http://schemas.microsoft.com/office/drawing/2014/main" val="870129922"/>
-                  </a:ext>
-                </a:extLst>
-              </a:tr>
-              <a:tr h="316469">
-                <a:tc>
-                  <a:txBody>
-                    <a:bodyPr/>
-                    <a:lstStyle/>
-                    <a:p>
-                      <a:pPr algn="ctr"/>
-                      <a:endParaRPr lang="ru-RU" sz="1200" dirty="0">
-                        <a:latin typeface="JetBrains Mono" panose="020B0509020102050004" pitchFamily="49" charset="-52"/>
-                      </a:endParaRPr>
-                    </a:p>
-                  </a:txBody>
-                  <a:tcPr anchor="ctr"/>
-                </a:tc>
-                <a:extLst>
-                  <a:ext uri="{0D108BD9-81ED-4DB2-BD59-A6C34878D82A}">
-                    <a16:rowId xmlns:a16="http://schemas.microsoft.com/office/drawing/2014/main" val="1739437043"/>
-                  </a:ext>
-                </a:extLst>
-              </a:tr>
-              <a:tr h="316469">
-                <a:tc>
-                  <a:txBody>
-                    <a:bodyPr/>
-                    <a:lstStyle/>
-                    <a:p>
-                      <a:pPr algn="ctr"/>
-                      <a:r>
-                        <a:rPr lang="en-US" sz="1200" b="1" dirty="0">
-                          <a:latin typeface="JetBrains Mono" panose="020B0509020102050004" pitchFamily="49" charset="-52"/>
-                        </a:rPr>
-                        <a:t>11</a:t>
-                      </a:r>
-                      <a:endParaRPr lang="ru-RU" sz="1200" b="1" dirty="0">
-                        <a:latin typeface="JetBrains Mono" panose="020B0509020102050004" pitchFamily="49" charset="-52"/>
-                      </a:endParaRPr>
-                    </a:p>
-                  </a:txBody>
-                  <a:tcPr anchor="ctr"/>
-                </a:tc>
-                <a:extLst>
-                  <a:ext uri="{0D108BD9-81ED-4DB2-BD59-A6C34878D82A}">
-                    <a16:rowId xmlns:a16="http://schemas.microsoft.com/office/drawing/2014/main" val="3613222405"/>
-                  </a:ext>
-                </a:extLst>
-              </a:tr>
-              <a:tr h="316469">
+              <a:tr h="316954">
                 <a:tc>
                   <a:txBody>
                     <a:bodyPr/>
@@ -9647,18 +9531,216 @@
                 </a:tc>
                 <a:extLst>
                   <a:ext uri="{0D108BD9-81ED-4DB2-BD59-A6C34878D82A}">
+                    <a16:rowId xmlns:a16="http://schemas.microsoft.com/office/drawing/2014/main" val="4125251085"/>
+                  </a:ext>
+                </a:extLst>
+              </a:tr>
+              <a:tr h="316954">
+                <a:tc>
+                  <a:txBody>
+                    <a:bodyPr/>
+                    <a:lstStyle/>
+                    <a:p>
+                      <a:pPr algn="ctr"/>
+                      <a:endParaRPr lang="ru-RU" sz="1200" b="1" dirty="0">
+                        <a:latin typeface="JetBrains Mono" panose="020B0509020102050004" pitchFamily="49" charset="-52"/>
+                      </a:endParaRPr>
+                    </a:p>
+                  </a:txBody>
+                  <a:tcPr anchor="ctr"/>
+                </a:tc>
+                <a:extLst>
+                  <a:ext uri="{0D108BD9-81ED-4DB2-BD59-A6C34878D82A}">
+                    <a16:rowId xmlns:a16="http://schemas.microsoft.com/office/drawing/2014/main" val="1301926322"/>
+                  </a:ext>
+                </a:extLst>
+              </a:tr>
+              <a:tr h="316954">
+                <a:tc>
+                  <a:txBody>
+                    <a:bodyPr/>
+                    <a:lstStyle/>
+                    <a:p>
+                      <a:pPr algn="ctr"/>
+                      <a:r>
+                        <a:rPr lang="en-US" sz="1200" b="1" dirty="0">
+                          <a:latin typeface="JetBrains Mono" panose="020B0509020102050004" pitchFamily="49" charset="-52"/>
+                        </a:rPr>
+                        <a:t>9</a:t>
+                      </a:r>
+                      <a:endParaRPr lang="ru-RU" sz="1200" b="1" dirty="0">
+                        <a:latin typeface="JetBrains Mono" panose="020B0509020102050004" pitchFamily="49" charset="-52"/>
+                      </a:endParaRPr>
+                    </a:p>
+                  </a:txBody>
+                  <a:tcPr anchor="ctr"/>
+                </a:tc>
+                <a:extLst>
+                  <a:ext uri="{0D108BD9-81ED-4DB2-BD59-A6C34878D82A}">
+                    <a16:rowId xmlns:a16="http://schemas.microsoft.com/office/drawing/2014/main" val="870129922"/>
+                  </a:ext>
+                </a:extLst>
+              </a:tr>
+              <a:tr h="316954">
+                <a:tc>
+                  <a:txBody>
+                    <a:bodyPr/>
+                    <a:lstStyle/>
+                    <a:p>
+                      <a:pPr marL="0" marR="0" lvl="0" indent="0" algn="ctr" defTabSz="914400" rtl="0" eaLnBrk="1" fontAlgn="auto" latinLnBrk="0" hangingPunct="1">
+                        <a:lnSpc>
+                          <a:spcPct val="100000"/>
+                        </a:lnSpc>
+                        <a:spcBef>
+                          <a:spcPts val="0"/>
+                        </a:spcBef>
+                        <a:spcAft>
+                          <a:spcPts val="0"/>
+                        </a:spcAft>
+                        <a:buClrTx/>
+                        <a:buSzTx/>
+                        <a:buFontTx/>
+                        <a:buNone/>
+                        <a:tabLst/>
+                        <a:defRPr/>
+                      </a:pPr>
+                      <a:r>
+                        <a:rPr lang="en-US" sz="1200" b="1" dirty="0">
+                          <a:latin typeface="JetBrains Mono" panose="020B0509020102050004" pitchFamily="49" charset="-52"/>
+                        </a:rPr>
+                        <a:t>12</a:t>
+                      </a:r>
+                      <a:endParaRPr lang="ru-RU" sz="1200" b="1" dirty="0">
+                        <a:latin typeface="JetBrains Mono" panose="020B0509020102050004" pitchFamily="49" charset="-52"/>
+                      </a:endParaRPr>
+                    </a:p>
+                  </a:txBody>
+                  <a:tcPr anchor="ctr"/>
+                </a:tc>
+                <a:extLst>
+                  <a:ext uri="{0D108BD9-81ED-4DB2-BD59-A6C34878D82A}">
+                    <a16:rowId xmlns:a16="http://schemas.microsoft.com/office/drawing/2014/main" val="1739437043"/>
+                  </a:ext>
+                </a:extLst>
+              </a:tr>
+              <a:tr h="316954">
+                <a:tc>
+                  <a:txBody>
+                    <a:bodyPr/>
+                    <a:lstStyle/>
+                    <a:p>
+                      <a:pPr marL="0" marR="0" lvl="0" indent="0" algn="ctr" defTabSz="914400" rtl="0" eaLnBrk="1" fontAlgn="auto" latinLnBrk="0" hangingPunct="1">
+                        <a:lnSpc>
+                          <a:spcPct val="100000"/>
+                        </a:lnSpc>
+                        <a:spcBef>
+                          <a:spcPts val="0"/>
+                        </a:spcBef>
+                        <a:spcAft>
+                          <a:spcPts val="0"/>
+                        </a:spcAft>
+                        <a:buClrTx/>
+                        <a:buSzTx/>
+                        <a:buFontTx/>
+                        <a:buNone/>
+                        <a:tabLst/>
+                        <a:defRPr/>
+                      </a:pPr>
+                      <a:r>
+                        <a:rPr lang="en-US" sz="1200" dirty="0">
+                          <a:solidFill>
+                            <a:schemeClr val="bg2">
+                              <a:lumMod val="50000"/>
+                            </a:schemeClr>
+                          </a:solidFill>
+                          <a:latin typeface="JetBrains Mono" panose="020B0509020102050004" pitchFamily="49" charset="-52"/>
+                        </a:rPr>
+                        <a:t>count(1)</a:t>
+                      </a:r>
+                      <a:endParaRPr lang="ru-RU" sz="1200" b="1" dirty="0">
+                        <a:latin typeface="JetBrains Mono" panose="020B0509020102050004" pitchFamily="49" charset="-52"/>
+                      </a:endParaRPr>
+                    </a:p>
+                  </a:txBody>
+                  <a:tcPr anchor="ctr"/>
+                </a:tc>
+                <a:extLst>
+                  <a:ext uri="{0D108BD9-81ED-4DB2-BD59-A6C34878D82A}">
+                    <a16:rowId xmlns:a16="http://schemas.microsoft.com/office/drawing/2014/main" val="3613222405"/>
+                  </a:ext>
+                </a:extLst>
+              </a:tr>
+              <a:tr h="316954">
+                <a:tc>
+                  <a:txBody>
+                    <a:bodyPr/>
+                    <a:lstStyle/>
+                    <a:p>
+                      <a:pPr marL="0" marR="0" lvl="0" indent="0" algn="ctr" defTabSz="914400" rtl="0" eaLnBrk="1" fontAlgn="auto" latinLnBrk="0" hangingPunct="1">
+                        <a:lnSpc>
+                          <a:spcPct val="100000"/>
+                        </a:lnSpc>
+                        <a:spcBef>
+                          <a:spcPts val="0"/>
+                        </a:spcBef>
+                        <a:spcAft>
+                          <a:spcPts val="0"/>
+                        </a:spcAft>
+                        <a:buClrTx/>
+                        <a:buSzTx/>
+                        <a:buFontTx/>
+                        <a:buNone/>
+                        <a:tabLst/>
+                        <a:defRPr/>
+                      </a:pPr>
+                      <a:endParaRPr lang="ru-RU" sz="1200" b="1" dirty="0">
+                        <a:latin typeface="JetBrains Mono" panose="020B0509020102050004" pitchFamily="49" charset="-52"/>
+                      </a:endParaRPr>
+                    </a:p>
+                  </a:txBody>
+                  <a:tcPr anchor="ctr"/>
+                </a:tc>
+                <a:extLst>
+                  <a:ext uri="{0D108BD9-81ED-4DB2-BD59-A6C34878D82A}">
                     <a16:rowId xmlns:a16="http://schemas.microsoft.com/office/drawing/2014/main" val="3639060337"/>
                   </a:ext>
                 </a:extLst>
               </a:tr>
-              <a:tr h="316469">
-                <a:tc>
-                  <a:txBody>
-                    <a:bodyPr/>
-                    <a:lstStyle/>
-                    <a:p>
-                      <a:pPr algn="ctr"/>
-                      <a:endParaRPr lang="ru-RU" sz="1200" dirty="0">
+              <a:tr h="316954">
+                <a:tc>
+                  <a:txBody>
+                    <a:bodyPr/>
+                    <a:lstStyle/>
+                    <a:p>
+                      <a:pPr marL="0" marR="0" lvl="0" indent="0" algn="ctr" defTabSz="914400" rtl="0" eaLnBrk="1" fontAlgn="auto" latinLnBrk="0" hangingPunct="1">
+                        <a:lnSpc>
+                          <a:spcPct val="100000"/>
+                        </a:lnSpc>
+                        <a:spcBef>
+                          <a:spcPts val="0"/>
+                        </a:spcBef>
+                        <a:spcAft>
+                          <a:spcPts val="0"/>
+                        </a:spcAft>
+                        <a:buClrTx/>
+                        <a:buSzTx/>
+                        <a:buFontTx/>
+                        <a:buNone/>
+                        <a:tabLst/>
+                        <a:defRPr/>
+                      </a:pPr>
+                      <a:r>
+                        <a:rPr lang="en-US" sz="1200" dirty="0">
+                          <a:solidFill>
+                            <a:schemeClr val="bg2">
+                              <a:lumMod val="50000"/>
+                            </a:schemeClr>
+                          </a:solidFill>
+                          <a:latin typeface="JetBrains Mono" panose="020B0509020102050004" pitchFamily="49" charset="-52"/>
+                        </a:rPr>
+                        <a:t>count(3)</a:t>
+                      </a:r>
+                      <a:endParaRPr lang="ru-RU" sz="1200" b="1" dirty="0">
                         <a:latin typeface="JetBrains Mono" panose="020B0509020102050004" pitchFamily="49" charset="-52"/>
                       </a:endParaRPr>
                     </a:p>
@@ -9671,7 +9753,7 @@
                   </a:ext>
                 </a:extLst>
               </a:tr>
-              <a:tr h="316469">
+              <a:tr h="316954">
                 <a:tc>
                   <a:txBody>
                     <a:bodyPr/>
@@ -9710,7 +9792,7 @@
           <p:nvPr>
             <p:extLst>
               <p:ext uri="{D42A27DB-BD31-4B8C-83A1-F6EECF244321}">
-                <p14:modId xmlns:p14="http://schemas.microsoft.com/office/powerpoint/2010/main" val="3564638242"/>
+                <p14:modId xmlns:p14="http://schemas.microsoft.com/office/powerpoint/2010/main" val="1512005445"/>
               </p:ext>
             </p:extLst>
           </p:nvPr>
@@ -9781,12 +9863,7 @@
                         </a:rPr>
                         <a:t>Value1</a:t>
                       </a:r>
-                      <a:endParaRPr lang="ru-RU" sz="1200" b="1" dirty="0">
-                        <a:solidFill>
-                          <a:schemeClr val="accent6">
-                            <a:lumMod val="75000"/>
-                          </a:schemeClr>
-                        </a:solidFill>
+                      <a:endParaRPr lang="ru-RU" sz="1200" dirty="0">
                         <a:latin typeface="JetBrains Mono" panose="020B0509020102050004" pitchFamily="49" charset="-52"/>
                       </a:endParaRPr>
                     </a:p>
@@ -9796,6 +9873,201 @@
                 <a:extLst>
                   <a:ext uri="{0D108BD9-81ED-4DB2-BD59-A6C34878D82A}">
                     <a16:rowId xmlns:a16="http://schemas.microsoft.com/office/drawing/2014/main" val="2987865593"/>
+                  </a:ext>
+                </a:extLst>
+              </a:tr>
+              <a:tr h="316469">
+                <a:tc>
+                  <a:txBody>
+                    <a:bodyPr/>
+                    <a:lstStyle/>
+                    <a:p>
+                      <a:pPr algn="ctr"/>
+                      <a:r>
+                        <a:rPr lang="en-US" sz="1200" b="1" dirty="0">
+                          <a:solidFill>
+                            <a:schemeClr val="accent6">
+                              <a:lumMod val="75000"/>
+                            </a:schemeClr>
+                          </a:solidFill>
+                          <a:latin typeface="JetBrains Mono" panose="020B0509020102050004" pitchFamily="49" charset="-52"/>
+                        </a:rPr>
+                        <a:t>Value2</a:t>
+                      </a:r>
+                      <a:endParaRPr lang="ru-RU" sz="1200" dirty="0">
+                        <a:latin typeface="JetBrains Mono" panose="020B0509020102050004" pitchFamily="49" charset="-52"/>
+                      </a:endParaRPr>
+                    </a:p>
+                  </a:txBody>
+                  <a:tcPr anchor="ctr"/>
+                </a:tc>
+                <a:extLst>
+                  <a:ext uri="{0D108BD9-81ED-4DB2-BD59-A6C34878D82A}">
+                    <a16:rowId xmlns:a16="http://schemas.microsoft.com/office/drawing/2014/main" val="2845260174"/>
+                  </a:ext>
+                </a:extLst>
+              </a:tr>
+              <a:tr h="316469">
+                <a:tc>
+                  <a:txBody>
+                    <a:bodyPr/>
+                    <a:lstStyle/>
+                    <a:p>
+                      <a:pPr algn="ctr"/>
+                      <a:r>
+                        <a:rPr lang="en-US" sz="1200" b="1" dirty="0">
+                          <a:solidFill>
+                            <a:schemeClr val="accent6">
+                              <a:lumMod val="75000"/>
+                            </a:schemeClr>
+                          </a:solidFill>
+                          <a:latin typeface="JetBrains Mono" panose="020B0509020102050004" pitchFamily="49" charset="-52"/>
+                        </a:rPr>
+                        <a:t>Value3</a:t>
+                      </a:r>
+                      <a:endParaRPr lang="ru-RU" sz="1200" dirty="0">
+                        <a:latin typeface="JetBrains Mono" panose="020B0509020102050004" pitchFamily="49" charset="-52"/>
+                      </a:endParaRPr>
+                    </a:p>
+                  </a:txBody>
+                  <a:tcPr anchor="ctr"/>
+                </a:tc>
+                <a:extLst>
+                  <a:ext uri="{0D108BD9-81ED-4DB2-BD59-A6C34878D82A}">
+                    <a16:rowId xmlns:a16="http://schemas.microsoft.com/office/drawing/2014/main" val="2182576237"/>
+                  </a:ext>
+                </a:extLst>
+              </a:tr>
+              <a:tr h="316469">
+                <a:tc>
+                  <a:txBody>
+                    <a:bodyPr/>
+                    <a:lstStyle/>
+                    <a:p>
+                      <a:pPr algn="ctr"/>
+                      <a:r>
+                        <a:rPr lang="en-US" sz="1200" b="1" dirty="0">
+                          <a:solidFill>
+                            <a:schemeClr val="accent6">
+                              <a:lumMod val="75000"/>
+                            </a:schemeClr>
+                          </a:solidFill>
+                          <a:latin typeface="JetBrains Mono" panose="020B0509020102050004" pitchFamily="49" charset="-52"/>
+                        </a:rPr>
+                        <a:t>Value4</a:t>
+                      </a:r>
+                      <a:endParaRPr lang="ru-RU" sz="1200" dirty="0">
+                        <a:latin typeface="JetBrains Mono" panose="020B0509020102050004" pitchFamily="49" charset="-52"/>
+                      </a:endParaRPr>
+                    </a:p>
+                  </a:txBody>
+                  <a:tcPr anchor="ctr"/>
+                </a:tc>
+                <a:extLst>
+                  <a:ext uri="{0D108BD9-81ED-4DB2-BD59-A6C34878D82A}">
+                    <a16:rowId xmlns:a16="http://schemas.microsoft.com/office/drawing/2014/main" val="1689663956"/>
+                  </a:ext>
+                </a:extLst>
+              </a:tr>
+              <a:tr h="316469">
+                <a:tc>
+                  <a:txBody>
+                    <a:bodyPr/>
+                    <a:lstStyle/>
+                    <a:p>
+                      <a:pPr algn="ctr"/>
+                      <a:endParaRPr lang="ru-RU" sz="1200" dirty="0">
+                        <a:latin typeface="JetBrains Mono" panose="020B0509020102050004" pitchFamily="49" charset="-52"/>
+                      </a:endParaRPr>
+                    </a:p>
+                  </a:txBody>
+                  <a:tcPr anchor="ctr"/>
+                </a:tc>
+                <a:extLst>
+                  <a:ext uri="{0D108BD9-81ED-4DB2-BD59-A6C34878D82A}">
+                    <a16:rowId xmlns:a16="http://schemas.microsoft.com/office/drawing/2014/main" val="1888965313"/>
+                  </a:ext>
+                </a:extLst>
+              </a:tr>
+              <a:tr h="316469">
+                <a:tc>
+                  <a:txBody>
+                    <a:bodyPr/>
+                    <a:lstStyle/>
+                    <a:p>
+                      <a:pPr algn="ctr"/>
+                      <a:r>
+                        <a:rPr lang="en-US" sz="1200" b="1" dirty="0">
+                          <a:solidFill>
+                            <a:schemeClr val="accent6">
+                              <a:lumMod val="75000"/>
+                            </a:schemeClr>
+                          </a:solidFill>
+                          <a:latin typeface="JetBrains Mono" panose="020B0509020102050004" pitchFamily="49" charset="-52"/>
+                        </a:rPr>
+                        <a:t>Value5</a:t>
+                      </a:r>
+                      <a:endParaRPr lang="ru-RU" sz="1200" dirty="0">
+                        <a:latin typeface="JetBrains Mono" panose="020B0509020102050004" pitchFamily="49" charset="-52"/>
+                      </a:endParaRPr>
+                    </a:p>
+                  </a:txBody>
+                  <a:tcPr anchor="ctr"/>
+                </a:tc>
+                <a:extLst>
+                  <a:ext uri="{0D108BD9-81ED-4DB2-BD59-A6C34878D82A}">
+                    <a16:rowId xmlns:a16="http://schemas.microsoft.com/office/drawing/2014/main" val="1127847458"/>
+                  </a:ext>
+                </a:extLst>
+              </a:tr>
+              <a:tr h="316469">
+                <a:tc>
+                  <a:txBody>
+                    <a:bodyPr/>
+                    <a:lstStyle/>
+                    <a:p>
+                      <a:pPr algn="ctr"/>
+                      <a:r>
+                        <a:rPr lang="en-US" sz="1200" b="1" dirty="0">
+                          <a:solidFill>
+                            <a:schemeClr val="accent6">
+                              <a:lumMod val="75000"/>
+                            </a:schemeClr>
+                          </a:solidFill>
+                          <a:latin typeface="JetBrains Mono" panose="020B0509020102050004" pitchFamily="49" charset="-52"/>
+                        </a:rPr>
+                        <a:t>Value6</a:t>
+                      </a:r>
+                      <a:endParaRPr lang="ru-RU" sz="1200" dirty="0">
+                        <a:latin typeface="JetBrains Mono" panose="020B0509020102050004" pitchFamily="49" charset="-52"/>
+                      </a:endParaRPr>
+                    </a:p>
+                  </a:txBody>
+                  <a:tcPr anchor="ctr"/>
+                </a:tc>
+                <a:extLst>
+                  <a:ext uri="{0D108BD9-81ED-4DB2-BD59-A6C34878D82A}">
+                    <a16:rowId xmlns:a16="http://schemas.microsoft.com/office/drawing/2014/main" val="1637680274"/>
+                  </a:ext>
+                </a:extLst>
+              </a:tr>
+              <a:tr h="316469">
+                <a:tc>
+                  <a:txBody>
+                    <a:bodyPr/>
+                    <a:lstStyle/>
+                    <a:p>
+                      <a:pPr algn="ctr"/>
+                      <a:endParaRPr lang="ru-RU" sz="1200" dirty="0">
+                        <a:latin typeface="JetBrains Mono" panose="020B0509020102050004" pitchFamily="49" charset="-52"/>
+                      </a:endParaRPr>
+                    </a:p>
+                  </a:txBody>
+                  <a:tcPr anchor="ctr"/>
+                </a:tc>
+                <a:extLst>
+                  <a:ext uri="{0D108BD9-81ED-4DB2-BD59-A6C34878D82A}">
+                    <a16:rowId xmlns:a16="http://schemas.microsoft.com/office/drawing/2014/main" val="4183676878"/>
                   </a:ext>
                 </a:extLst>
               </a:tr>
@@ -9826,7 +10098,7 @@
                 </a:tc>
                 <a:extLst>
                   <a:ext uri="{0D108BD9-81ED-4DB2-BD59-A6C34878D82A}">
-                    <a16:rowId xmlns:a16="http://schemas.microsoft.com/office/drawing/2014/main" val="2845260174"/>
+                    <a16:rowId xmlns:a16="http://schemas.microsoft.com/office/drawing/2014/main" val="373857"/>
                   </a:ext>
                 </a:extLst>
               </a:tr>
@@ -9857,58 +10129,7 @@
                 </a:tc>
                 <a:extLst>
                   <a:ext uri="{0D108BD9-81ED-4DB2-BD59-A6C34878D82A}">
-                    <a16:rowId xmlns:a16="http://schemas.microsoft.com/office/drawing/2014/main" val="2182576237"/>
-                  </a:ext>
-                </a:extLst>
-              </a:tr>
-              <a:tr h="316469">
-                <a:tc>
-                  <a:txBody>
-                    <a:bodyPr/>
-                    <a:lstStyle/>
-                    <a:p>
-                      <a:pPr algn="ctr"/>
-                      <a:r>
-                        <a:rPr lang="en-US" sz="1200" b="1" dirty="0">
-                          <a:solidFill>
-                            <a:schemeClr val="accent6">
-                              <a:lumMod val="75000"/>
-                            </a:schemeClr>
-                          </a:solidFill>
-                          <a:latin typeface="JetBrains Mono" panose="020B0509020102050004" pitchFamily="49" charset="-52"/>
-                        </a:rPr>
-                        <a:t>Value3</a:t>
-                      </a:r>
-                      <a:endParaRPr lang="ru-RU" sz="1200" dirty="0">
-                        <a:latin typeface="JetBrains Mono" panose="020B0509020102050004" pitchFamily="49" charset="-52"/>
-                      </a:endParaRPr>
-                    </a:p>
-                  </a:txBody>
-                  <a:tcPr anchor="ctr"/>
-                </a:tc>
-                <a:extLst>
-                  <a:ext uri="{0D108BD9-81ED-4DB2-BD59-A6C34878D82A}">
-                    <a16:rowId xmlns:a16="http://schemas.microsoft.com/office/drawing/2014/main" val="1689663956"/>
-                  </a:ext>
-                </a:extLst>
-              </a:tr>
-              <a:tr h="316469">
-                <a:tc>
-                  <a:txBody>
-                    <a:bodyPr/>
-                    <a:lstStyle/>
-                    <a:p>
-                      <a:pPr algn="ctr"/>
-                      <a:endParaRPr lang="ru-RU" sz="1200" dirty="0">
-                        <a:latin typeface="JetBrains Mono" panose="020B0509020102050004" pitchFamily="49" charset="-52"/>
-                      </a:endParaRPr>
-                    </a:p>
-                  </a:txBody>
-                  <a:tcPr anchor="ctr"/>
-                </a:tc>
-                <a:extLst>
-                  <a:ext uri="{0D108BD9-81ED-4DB2-BD59-A6C34878D82A}">
-                    <a16:rowId xmlns:a16="http://schemas.microsoft.com/office/drawing/2014/main" val="1888965313"/>
+                    <a16:rowId xmlns:a16="http://schemas.microsoft.com/office/drawing/2014/main" val="772279086"/>
                   </a:ext>
                 </a:extLst>
               </a:tr>
@@ -9939,7 +10160,7 @@
                 </a:tc>
                 <a:extLst>
                   <a:ext uri="{0D108BD9-81ED-4DB2-BD59-A6C34878D82A}">
-                    <a16:rowId xmlns:a16="http://schemas.microsoft.com/office/drawing/2014/main" val="3791515518"/>
+                    <a16:rowId xmlns:a16="http://schemas.microsoft.com/office/drawing/2014/main" val="3645606482"/>
                   </a:ext>
                 </a:extLst>
               </a:tr>
@@ -9950,17 +10171,6 @@
                     <a:lstStyle/>
                     <a:p>
                       <a:pPr algn="ctr"/>
-                      <a:r>
-                        <a:rPr lang="en-US" sz="1200" b="1" dirty="0">
-                          <a:solidFill>
-                            <a:schemeClr val="accent6">
-                              <a:lumMod val="75000"/>
-                            </a:schemeClr>
-                          </a:solidFill>
-                          <a:latin typeface="JetBrains Mono" panose="020B0509020102050004" pitchFamily="49" charset="-52"/>
-                        </a:rPr>
-                        <a:t>Value2</a:t>
-                      </a:r>
                       <a:endParaRPr lang="ru-RU" sz="1200" dirty="0">
                         <a:latin typeface="JetBrains Mono" panose="020B0509020102050004" pitchFamily="49" charset="-52"/>
                       </a:endParaRPr>
@@ -9970,7 +10180,7 @@
                 </a:tc>
                 <a:extLst>
                   <a:ext uri="{0D108BD9-81ED-4DB2-BD59-A6C34878D82A}">
-                    <a16:rowId xmlns:a16="http://schemas.microsoft.com/office/drawing/2014/main" val="4125251085"/>
+                    <a16:rowId xmlns:a16="http://schemas.microsoft.com/office/drawing/2014/main" val="2053109388"/>
                   </a:ext>
                 </a:extLst>
               </a:tr>
@@ -9980,7 +10190,23 @@
                     <a:bodyPr/>
                     <a:lstStyle/>
                     <a:p>
-                      <a:pPr algn="ctr"/>
+                      <a:pPr marL="0" marR="0" lvl="0" indent="0" algn="ctr" defTabSz="914400" rtl="0" eaLnBrk="1" fontAlgn="auto" latinLnBrk="0" hangingPunct="1">
+                        <a:lnSpc>
+                          <a:spcPct val="100000"/>
+                        </a:lnSpc>
+                        <a:spcBef>
+                          <a:spcPts val="0"/>
+                        </a:spcBef>
+                        <a:spcAft>
+                          <a:spcPts val="0"/>
+                        </a:spcAft>
+                        <a:buClrTx/>
+                        <a:buSzTx/>
+                        <a:buFontTx/>
+                        <a:buNone/>
+                        <a:tabLst/>
+                        <a:defRPr/>
+                      </a:pPr>
                       <a:r>
                         <a:rPr lang="en-US" sz="1200" b="1" dirty="0">
                           <a:solidFill>
@@ -10001,7 +10227,7 @@
                 </a:tc>
                 <a:extLst>
                   <a:ext uri="{0D108BD9-81ED-4DB2-BD59-A6C34878D82A}">
-                    <a16:rowId xmlns:a16="http://schemas.microsoft.com/office/drawing/2014/main" val="1301926322"/>
+                    <a16:rowId xmlns:a16="http://schemas.microsoft.com/office/drawing/2014/main" val="2884061167"/>
                   </a:ext>
                 </a:extLst>
               </a:tr>
@@ -10012,17 +10238,6 @@
                     <a:lstStyle/>
                     <a:p>
                       <a:pPr algn="ctr"/>
-                      <a:r>
-                        <a:rPr lang="en-US" sz="1200" b="1" dirty="0">
-                          <a:solidFill>
-                            <a:schemeClr val="accent6">
-                              <a:lumMod val="75000"/>
-                            </a:schemeClr>
-                          </a:solidFill>
-                          <a:latin typeface="JetBrains Mono" panose="020B0509020102050004" pitchFamily="49" charset="-52"/>
-                        </a:rPr>
-                        <a:t>Value4</a:t>
-                      </a:r>
                       <a:endParaRPr lang="ru-RU" sz="1200" dirty="0">
                         <a:latin typeface="JetBrains Mono" panose="020B0509020102050004" pitchFamily="49" charset="-52"/>
                       </a:endParaRPr>
@@ -10032,129 +10247,7 @@
                 </a:tc>
                 <a:extLst>
                   <a:ext uri="{0D108BD9-81ED-4DB2-BD59-A6C34878D82A}">
-                    <a16:rowId xmlns:a16="http://schemas.microsoft.com/office/drawing/2014/main" val="1099528464"/>
-                  </a:ext>
-                </a:extLst>
-              </a:tr>
-              <a:tr h="316469">
-                <a:tc>
-                  <a:txBody>
-                    <a:bodyPr/>
-                    <a:lstStyle/>
-                    <a:p>
-                      <a:pPr algn="ctr"/>
-                      <a:endParaRPr lang="ru-RU" sz="1200" dirty="0">
-                        <a:latin typeface="JetBrains Mono" panose="020B0509020102050004" pitchFamily="49" charset="-52"/>
-                      </a:endParaRPr>
-                    </a:p>
-                  </a:txBody>
-                  <a:tcPr anchor="ctr"/>
-                </a:tc>
-                <a:extLst>
-                  <a:ext uri="{0D108BD9-81ED-4DB2-BD59-A6C34878D82A}">
-                    <a16:rowId xmlns:a16="http://schemas.microsoft.com/office/drawing/2014/main" val="4017601125"/>
-                  </a:ext>
-                </a:extLst>
-              </a:tr>
-              <a:tr h="316469">
-                <a:tc>
-                  <a:txBody>
-                    <a:bodyPr/>
-                    <a:lstStyle/>
-                    <a:p>
-                      <a:pPr algn="ctr"/>
-                      <a:r>
-                        <a:rPr lang="en-US" sz="1200" b="1" dirty="0">
-                          <a:solidFill>
-                            <a:schemeClr val="accent6">
-                              <a:lumMod val="75000"/>
-                            </a:schemeClr>
-                          </a:solidFill>
-                          <a:latin typeface="JetBrains Mono" panose="020B0509020102050004" pitchFamily="49" charset="-52"/>
-                        </a:rPr>
-                        <a:t>Value5</a:t>
-                      </a:r>
-                      <a:endParaRPr lang="ru-RU" sz="1200" dirty="0">
-                        <a:latin typeface="JetBrains Mono" panose="020B0509020102050004" pitchFamily="49" charset="-52"/>
-                      </a:endParaRPr>
-                    </a:p>
-                  </a:txBody>
-                  <a:tcPr anchor="ctr"/>
-                </a:tc>
-                <a:extLst>
-                  <a:ext uri="{0D108BD9-81ED-4DB2-BD59-A6C34878D82A}">
-                    <a16:rowId xmlns:a16="http://schemas.microsoft.com/office/drawing/2014/main" val="4134186558"/>
-                  </a:ext>
-                </a:extLst>
-              </a:tr>
-              <a:tr h="316469">
-                <a:tc>
-                  <a:txBody>
-                    <a:bodyPr/>
-                    <a:lstStyle/>
-                    <a:p>
-                      <a:pPr algn="ctr"/>
-                      <a:r>
-                        <a:rPr lang="en-US" sz="1200" b="1" dirty="0">
-                          <a:solidFill>
-                            <a:schemeClr val="accent6">
-                              <a:lumMod val="75000"/>
-                            </a:schemeClr>
-                          </a:solidFill>
-                          <a:latin typeface="JetBrains Mono" panose="020B0509020102050004" pitchFamily="49" charset="-52"/>
-                        </a:rPr>
-                        <a:t>Value6</a:t>
-                      </a:r>
-                      <a:endParaRPr lang="ru-RU" sz="1200" dirty="0">
-                        <a:latin typeface="JetBrains Mono" panose="020B0509020102050004" pitchFamily="49" charset="-52"/>
-                      </a:endParaRPr>
-                    </a:p>
-                  </a:txBody>
-                  <a:tcPr anchor="ctr"/>
-                </a:tc>
-                <a:extLst>
-                  <a:ext uri="{0D108BD9-81ED-4DB2-BD59-A6C34878D82A}">
-                    <a16:rowId xmlns:a16="http://schemas.microsoft.com/office/drawing/2014/main" val="3198150713"/>
-                  </a:ext>
-                </a:extLst>
-              </a:tr>
-              <a:tr h="316469">
-                <a:tc>
-                  <a:txBody>
-                    <a:bodyPr/>
-                    <a:lstStyle/>
-                    <a:p>
-                      <a:pPr algn="ctr"/>
-                      <a:endParaRPr lang="ru-RU" sz="1200" dirty="0">
-                        <a:latin typeface="JetBrains Mono" panose="020B0509020102050004" pitchFamily="49" charset="-52"/>
-                      </a:endParaRPr>
-                    </a:p>
-                  </a:txBody>
-                  <a:tcPr anchor="ctr"/>
-                </a:tc>
-                <a:extLst>
-                  <a:ext uri="{0D108BD9-81ED-4DB2-BD59-A6C34878D82A}">
-                    <a16:rowId xmlns:a16="http://schemas.microsoft.com/office/drawing/2014/main" val="1127847458"/>
-                  </a:ext>
-                </a:extLst>
-              </a:tr>
-              <a:tr h="316469">
-                <a:tc>
-                  <a:txBody>
-                    <a:bodyPr/>
-                    <a:lstStyle/>
-                    <a:p>
-                      <a:pPr algn="ctr"/>
-                      <a:endParaRPr lang="ru-RU" sz="1200" dirty="0">
-                        <a:latin typeface="JetBrains Mono" panose="020B0509020102050004" pitchFamily="49" charset="-52"/>
-                      </a:endParaRPr>
-                    </a:p>
-                  </a:txBody>
-                  <a:tcPr anchor="ctr"/>
-                </a:tc>
-                <a:extLst>
-                  <a:ext uri="{0D108BD9-81ED-4DB2-BD59-A6C34878D82A}">
-                    <a16:rowId xmlns:a16="http://schemas.microsoft.com/office/drawing/2014/main" val="1637680274"/>
+                    <a16:rowId xmlns:a16="http://schemas.microsoft.com/office/drawing/2014/main" val="2614410578"/>
                   </a:ext>
                 </a:extLst>
               </a:tr>
@@ -10302,10 +10395,10 @@
       </p:cxnSp>
       <p:cxnSp>
         <p:nvCxnSpPr>
-          <p:cNvPr id="21" name="Straight Arrow Connector 20">
-            <a:extLst>
-              <a:ext uri="{FF2B5EF4-FFF2-40B4-BE49-F238E27FC236}">
-                <a16:creationId xmlns:a16="http://schemas.microsoft.com/office/drawing/2014/main" id="{86DF81CD-BF2D-3C68-8D1F-7A926277BA7F}"/>
+          <p:cNvPr id="23" name="Straight Arrow Connector 22">
+            <a:extLst>
+              <a:ext uri="{FF2B5EF4-FFF2-40B4-BE49-F238E27FC236}">
+                <a16:creationId xmlns:a16="http://schemas.microsoft.com/office/drawing/2014/main" id="{C5DFB7FF-31C9-666B-A277-20A5A5610A1C}"/>
               </a:ext>
             </a:extLst>
           </p:cNvPr>
@@ -10316,99 +10409,7 @@
         </p:nvCxnSpPr>
         <p:spPr>
           <a:xfrm flipH="1">
-            <a:off x="9337903" y="3649905"/>
-            <a:ext cx="762707" cy="342900"/>
-          </a:xfrm>
-          <a:prstGeom prst="straightConnector1">
-            <a:avLst/>
-          </a:prstGeom>
-          <a:ln w="38100" cap="rnd">
-            <a:solidFill>
-              <a:schemeClr val="bg2">
-                <a:lumMod val="75000"/>
-              </a:schemeClr>
-            </a:solidFill>
-            <a:tailEnd type="triangle"/>
-          </a:ln>
-        </p:spPr>
-        <p:style>
-          <a:lnRef idx="2">
-            <a:schemeClr val="accent1"/>
-          </a:lnRef>
-          <a:fillRef idx="0">
-            <a:schemeClr val="accent1"/>
-          </a:fillRef>
-          <a:effectRef idx="1">
-            <a:schemeClr val="accent1"/>
-          </a:effectRef>
-          <a:fontRef idx="minor">
-            <a:schemeClr val="tx1"/>
-          </a:fontRef>
-        </p:style>
-      </p:cxnSp>
-      <p:cxnSp>
-        <p:nvCxnSpPr>
-          <p:cNvPr id="22" name="Straight Arrow Connector 21">
-            <a:extLst>
-              <a:ext uri="{FF2B5EF4-FFF2-40B4-BE49-F238E27FC236}">
-                <a16:creationId xmlns:a16="http://schemas.microsoft.com/office/drawing/2014/main" id="{57B2D76E-689F-3C98-198E-927865A5A323}"/>
-              </a:ext>
-            </a:extLst>
-          </p:cNvPr>
-          <p:cNvCxnSpPr>
-            <a:cxnSpLocks/>
-          </p:cNvCxnSpPr>
-          <p:nvPr/>
-        </p:nvCxnSpPr>
-        <p:spPr>
-          <a:xfrm flipH="1">
-            <a:off x="9337903" y="3969868"/>
-            <a:ext cx="762707" cy="342900"/>
-          </a:xfrm>
-          <a:prstGeom prst="straightConnector1">
-            <a:avLst/>
-          </a:prstGeom>
-          <a:ln w="38100" cap="rnd">
-            <a:solidFill>
-              <a:schemeClr val="bg2">
-                <a:lumMod val="75000"/>
-              </a:schemeClr>
-            </a:solidFill>
-            <a:tailEnd type="triangle"/>
-          </a:ln>
-        </p:spPr>
-        <p:style>
-          <a:lnRef idx="2">
-            <a:schemeClr val="accent1"/>
-          </a:lnRef>
-          <a:fillRef idx="0">
-            <a:schemeClr val="accent1"/>
-          </a:fillRef>
-          <a:effectRef idx="1">
-            <a:schemeClr val="accent1"/>
-          </a:effectRef>
-          <a:fontRef idx="minor">
-            <a:schemeClr val="tx1"/>
-          </a:fontRef>
-        </p:style>
-      </p:cxnSp>
-      <p:cxnSp>
-        <p:nvCxnSpPr>
-          <p:cNvPr id="23" name="Straight Arrow Connector 22">
-            <a:extLst>
-              <a:ext uri="{FF2B5EF4-FFF2-40B4-BE49-F238E27FC236}">
-                <a16:creationId xmlns:a16="http://schemas.microsoft.com/office/drawing/2014/main" id="{C5DFB7FF-31C9-666B-A277-20A5A5610A1C}"/>
-              </a:ext>
-            </a:extLst>
-          </p:cNvPr>
-          <p:cNvCxnSpPr>
-            <a:cxnSpLocks/>
-          </p:cNvCxnSpPr>
-          <p:nvPr/>
-        </p:nvCxnSpPr>
-        <p:spPr>
-          <a:xfrm flipH="1">
-            <a:off x="9337902" y="4312768"/>
+            <a:off x="9326339" y="2717791"/>
             <a:ext cx="762707" cy="610596"/>
           </a:xfrm>
           <a:prstGeom prst="straightConnector1">
@@ -10454,8 +10455,8 @@
         </p:nvCxnSpPr>
         <p:spPr>
           <a:xfrm flipH="1">
-            <a:off x="9337903" y="4923364"/>
-            <a:ext cx="705558" cy="336183"/>
+            <a:off x="9337903" y="4612674"/>
+            <a:ext cx="751143" cy="961665"/>
           </a:xfrm>
           <a:prstGeom prst="straightConnector1">
             <a:avLst/>
@@ -10500,7 +10501,7 @@
         </p:nvCxnSpPr>
         <p:spPr>
           <a:xfrm>
-            <a:off x="7019272" y="1696601"/>
+            <a:off x="7019272" y="1765908"/>
             <a:ext cx="1175599" cy="0"/>
           </a:xfrm>
           <a:prstGeom prst="straightConnector1">
@@ -10546,7 +10547,7 @@
         </p:nvCxnSpPr>
         <p:spPr>
           <a:xfrm>
-            <a:off x="7128811" y="1828647"/>
+            <a:off x="7136865" y="3671754"/>
             <a:ext cx="1058006" cy="0"/>
           </a:xfrm>
           <a:prstGeom prst="straightConnector1">
@@ -10578,10 +10579,10 @@
       </p:cxnSp>
       <p:cxnSp>
         <p:nvCxnSpPr>
-          <p:cNvPr id="76" name="Straight Arrow Connector 75">
-            <a:extLst>
-              <a:ext uri="{FF2B5EF4-FFF2-40B4-BE49-F238E27FC236}">
-                <a16:creationId xmlns:a16="http://schemas.microsoft.com/office/drawing/2014/main" id="{ABC2F70A-A944-B89F-D65A-E0038BCFF994}"/>
+          <p:cNvPr id="78" name="Straight Arrow Connector 77">
+            <a:extLst>
+              <a:ext uri="{FF2B5EF4-FFF2-40B4-BE49-F238E27FC236}">
+                <a16:creationId xmlns:a16="http://schemas.microsoft.com/office/drawing/2014/main" id="{E06DA88F-3AC5-ED6D-FCE6-4DED92264100}"/>
               </a:ext>
             </a:extLst>
           </p:cNvPr>
@@ -10592,100 +10593,8 @@
         </p:nvCxnSpPr>
         <p:spPr>
           <a:xfrm>
-            <a:off x="7381090" y="2074200"/>
-            <a:ext cx="813781" cy="0"/>
-          </a:xfrm>
-          <a:prstGeom prst="straightConnector1">
-            <a:avLst/>
-          </a:prstGeom>
-          <a:ln w="38100" cap="rnd">
-            <a:solidFill>
-              <a:schemeClr val="bg2">
-                <a:lumMod val="75000"/>
-              </a:schemeClr>
-            </a:solidFill>
-            <a:tailEnd type="triangle"/>
-          </a:ln>
-        </p:spPr>
-        <p:style>
-          <a:lnRef idx="2">
-            <a:schemeClr val="accent1"/>
-          </a:lnRef>
-          <a:fillRef idx="0">
-            <a:schemeClr val="accent1"/>
-          </a:fillRef>
-          <a:effectRef idx="1">
-            <a:schemeClr val="accent1"/>
-          </a:effectRef>
-          <a:fontRef idx="minor">
-            <a:schemeClr val="tx1"/>
-          </a:fontRef>
-        </p:style>
-      </p:cxnSp>
-      <p:cxnSp>
-        <p:nvCxnSpPr>
-          <p:cNvPr id="77" name="Straight Arrow Connector 76">
-            <a:extLst>
-              <a:ext uri="{FF2B5EF4-FFF2-40B4-BE49-F238E27FC236}">
-                <a16:creationId xmlns:a16="http://schemas.microsoft.com/office/drawing/2014/main" id="{D99E72D9-10FD-0716-0C84-09353EE0048B}"/>
-              </a:ext>
-            </a:extLst>
-          </p:cNvPr>
-          <p:cNvCxnSpPr>
-            <a:cxnSpLocks/>
-          </p:cNvCxnSpPr>
-          <p:nvPr/>
-        </p:nvCxnSpPr>
-        <p:spPr>
-          <a:xfrm>
-            <a:off x="7505048" y="2715376"/>
-            <a:ext cx="682367" cy="0"/>
-          </a:xfrm>
-          <a:prstGeom prst="straightConnector1">
-            <a:avLst/>
-          </a:prstGeom>
-          <a:ln w="38100" cap="rnd">
-            <a:solidFill>
-              <a:schemeClr val="bg2">
-                <a:lumMod val="75000"/>
-              </a:schemeClr>
-            </a:solidFill>
-            <a:tailEnd type="triangle"/>
-          </a:ln>
-        </p:spPr>
-        <p:style>
-          <a:lnRef idx="2">
-            <a:schemeClr val="accent1"/>
-          </a:lnRef>
-          <a:fillRef idx="0">
-            <a:schemeClr val="accent1"/>
-          </a:fillRef>
-          <a:effectRef idx="1">
-            <a:schemeClr val="accent1"/>
-          </a:effectRef>
-          <a:fontRef idx="minor">
-            <a:schemeClr val="tx1"/>
-          </a:fontRef>
-        </p:style>
-      </p:cxnSp>
-      <p:cxnSp>
-        <p:nvCxnSpPr>
-          <p:cNvPr id="78" name="Straight Arrow Connector 77">
-            <a:extLst>
-              <a:ext uri="{FF2B5EF4-FFF2-40B4-BE49-F238E27FC236}">
-                <a16:creationId xmlns:a16="http://schemas.microsoft.com/office/drawing/2014/main" id="{E06DA88F-3AC5-ED6D-FCE6-4DED92264100}"/>
-              </a:ext>
-            </a:extLst>
-          </p:cNvPr>
-          <p:cNvCxnSpPr>
-            <a:cxnSpLocks/>
-          </p:cNvCxnSpPr>
-          <p:nvPr/>
-        </p:nvCxnSpPr>
-        <p:spPr>
-          <a:xfrm>
-            <a:off x="7782695" y="3348812"/>
-            <a:ext cx="404122" cy="0"/>
+            <a:off x="7503695" y="4299255"/>
+            <a:ext cx="691176" cy="0"/>
           </a:xfrm>
           <a:prstGeom prst="straightConnector1">
             <a:avLst/>
@@ -10779,7 +10688,7 @@
         <p:spPr>
           <a:xfrm>
             <a:off x="5599915" y="4525483"/>
-            <a:ext cx="1781175" cy="0"/>
+            <a:ext cx="1895425" cy="0"/>
           </a:xfrm>
           <a:prstGeom prst="straightConnector1">
             <a:avLst/>
@@ -10826,7 +10735,7 @@
         <p:spPr>
           <a:xfrm>
             <a:off x="5599914" y="4890178"/>
-            <a:ext cx="2182781" cy="0"/>
+            <a:ext cx="2586903" cy="0"/>
           </a:xfrm>
           <a:prstGeom prst="straightConnector1">
             <a:avLst/>
@@ -10838,7 +10747,7 @@
               </a:schemeClr>
             </a:solidFill>
             <a:headEnd type="oval"/>
-            <a:tailEnd type="none"/>
+            <a:tailEnd type="triangle"/>
           </a:ln>
         </p:spPr>
         <p:style>
@@ -10873,7 +10782,7 @@
         <p:spPr>
           <a:xfrm>
             <a:off x="6438339" y="4998272"/>
-            <a:ext cx="1346873" cy="0"/>
+            <a:ext cx="1748478" cy="0"/>
           </a:xfrm>
           <a:prstGeom prst="straightConnector1">
             <a:avLst/>
@@ -10885,7 +10794,7 @@
               </a:schemeClr>
             </a:solidFill>
             <a:headEnd type="oval"/>
-            <a:tailEnd type="none"/>
+            <a:tailEnd type="triangle"/>
           </a:ln>
         </p:spPr>
         <p:style>
@@ -10919,7 +10828,7 @@
         </p:nvCxnSpPr>
         <p:spPr>
           <a:xfrm>
-            <a:off x="6439692" y="4637353"/>
+            <a:off x="6438339" y="4627227"/>
             <a:ext cx="1065356" cy="0"/>
           </a:xfrm>
           <a:prstGeom prst="straightConnector1">
@@ -11013,8 +10922,8 @@
         </p:nvCxnSpPr>
         <p:spPr>
           <a:xfrm>
-            <a:off x="7785212" y="5245128"/>
-            <a:ext cx="401605" cy="0"/>
+            <a:off x="7503695" y="5549315"/>
+            <a:ext cx="691176" cy="0"/>
           </a:xfrm>
           <a:prstGeom prst="straightConnector1">
             <a:avLst/>
@@ -11045,10 +10954,10 @@
       </p:cxnSp>
       <p:cxnSp>
         <p:nvCxnSpPr>
-          <p:cNvPr id="137" name="Straight Arrow Connector 136">
-            <a:extLst>
-              <a:ext uri="{FF2B5EF4-FFF2-40B4-BE49-F238E27FC236}">
-                <a16:creationId xmlns:a16="http://schemas.microsoft.com/office/drawing/2014/main" id="{B83E755C-2CEA-3351-C125-A08CAADBE8F3}"/>
+          <p:cNvPr id="157" name="Straight Arrow Connector 156">
+            <a:extLst>
+              <a:ext uri="{FF2B5EF4-FFF2-40B4-BE49-F238E27FC236}">
+                <a16:creationId xmlns:a16="http://schemas.microsoft.com/office/drawing/2014/main" id="{C8EEAE1D-4B10-E86D-75A4-786035584984}"/>
               </a:ext>
             </a:extLst>
           </p:cNvPr>
@@ -11058,9 +10967,9 @@
           <p:nvPr/>
         </p:nvCxnSpPr>
         <p:spPr>
-          <a:xfrm flipH="1">
-            <a:off x="7782695" y="4998272"/>
-            <a:ext cx="2517" cy="246856"/>
+          <a:xfrm>
+            <a:off x="7128811" y="3671754"/>
+            <a:ext cx="0" cy="574131"/>
           </a:xfrm>
           <a:prstGeom prst="straightConnector1">
             <a:avLst/>
@@ -11091,10 +11000,10 @@
       </p:cxnSp>
       <p:cxnSp>
         <p:nvCxnSpPr>
-          <p:cNvPr id="139" name="Straight Arrow Connector 138">
-            <a:extLst>
-              <a:ext uri="{FF2B5EF4-FFF2-40B4-BE49-F238E27FC236}">
-                <a16:creationId xmlns:a16="http://schemas.microsoft.com/office/drawing/2014/main" id="{8D9F5BA6-58A3-DA98-8F65-65C72AB5C21B}"/>
+          <p:cNvPr id="162" name="Straight Arrow Connector 161">
+            <a:extLst>
+              <a:ext uri="{FF2B5EF4-FFF2-40B4-BE49-F238E27FC236}">
+                <a16:creationId xmlns:a16="http://schemas.microsoft.com/office/drawing/2014/main" id="{F01B4977-49DC-6501-17EE-309695E5327E}"/>
               </a:ext>
             </a:extLst>
           </p:cNvPr>
@@ -11105,8 +11014,8 @@
         </p:nvCxnSpPr>
         <p:spPr>
           <a:xfrm>
-            <a:off x="7782695" y="3348811"/>
-            <a:ext cx="0" cy="1535397"/>
+            <a:off x="7011219" y="1765908"/>
+            <a:ext cx="8053" cy="2363372"/>
           </a:xfrm>
           <a:prstGeom prst="straightConnector1">
             <a:avLst/>
@@ -11137,10 +11046,10 @@
       </p:cxnSp>
       <p:cxnSp>
         <p:nvCxnSpPr>
-          <p:cNvPr id="146" name="Straight Arrow Connector 145">
-            <a:extLst>
-              <a:ext uri="{FF2B5EF4-FFF2-40B4-BE49-F238E27FC236}">
-                <a16:creationId xmlns:a16="http://schemas.microsoft.com/office/drawing/2014/main" id="{4D66D70F-54CD-9AA1-5FB9-353293E4B5E9}"/>
+          <p:cNvPr id="180" name="Straight Arrow Connector 179">
+            <a:extLst>
+              <a:ext uri="{FF2B5EF4-FFF2-40B4-BE49-F238E27FC236}">
+                <a16:creationId xmlns:a16="http://schemas.microsoft.com/office/drawing/2014/main" id="{E0E8A7A3-9222-1499-1432-D249A141A746}"/>
               </a:ext>
             </a:extLst>
           </p:cNvPr>
@@ -11151,192 +11060,8 @@
         </p:nvCxnSpPr>
         <p:spPr>
           <a:xfrm>
-            <a:off x="7505048" y="2715565"/>
-            <a:ext cx="0" cy="1912378"/>
-          </a:xfrm>
-          <a:prstGeom prst="straightConnector1">
-            <a:avLst/>
-          </a:prstGeom>
-          <a:ln w="38100" cap="rnd">
-            <a:solidFill>
-              <a:schemeClr val="bg2">
-                <a:lumMod val="75000"/>
-              </a:schemeClr>
-            </a:solidFill>
-            <a:tailEnd type="none"/>
-          </a:ln>
-        </p:spPr>
-        <p:style>
-          <a:lnRef idx="2">
-            <a:schemeClr val="accent1"/>
-          </a:lnRef>
-          <a:fillRef idx="0">
-            <a:schemeClr val="accent1"/>
-          </a:fillRef>
-          <a:effectRef idx="1">
-            <a:schemeClr val="accent1"/>
-          </a:effectRef>
-          <a:fontRef idx="minor">
-            <a:schemeClr val="tx1"/>
-          </a:fontRef>
-        </p:style>
-      </p:cxnSp>
-      <p:cxnSp>
-        <p:nvCxnSpPr>
-          <p:cNvPr id="151" name="Straight Arrow Connector 150">
-            <a:extLst>
-              <a:ext uri="{FF2B5EF4-FFF2-40B4-BE49-F238E27FC236}">
-                <a16:creationId xmlns:a16="http://schemas.microsoft.com/office/drawing/2014/main" id="{C86B6950-D17B-2928-A769-061E34DD631A}"/>
-              </a:ext>
-            </a:extLst>
-          </p:cNvPr>
-          <p:cNvCxnSpPr>
-            <a:cxnSpLocks/>
-          </p:cNvCxnSpPr>
-          <p:nvPr/>
-        </p:nvCxnSpPr>
-        <p:spPr>
-          <a:xfrm>
-            <a:off x="7381090" y="2074200"/>
-            <a:ext cx="0" cy="2451283"/>
-          </a:xfrm>
-          <a:prstGeom prst="straightConnector1">
-            <a:avLst/>
-          </a:prstGeom>
-          <a:ln w="38100" cap="rnd">
-            <a:solidFill>
-              <a:schemeClr val="bg2">
-                <a:lumMod val="75000"/>
-              </a:schemeClr>
-            </a:solidFill>
-            <a:tailEnd type="none"/>
-          </a:ln>
-        </p:spPr>
-        <p:style>
-          <a:lnRef idx="2">
-            <a:schemeClr val="accent1"/>
-          </a:lnRef>
-          <a:fillRef idx="0">
-            <a:schemeClr val="accent1"/>
-          </a:fillRef>
-          <a:effectRef idx="1">
-            <a:schemeClr val="accent1"/>
-          </a:effectRef>
-          <a:fontRef idx="minor">
-            <a:schemeClr val="tx1"/>
-          </a:fontRef>
-        </p:style>
-      </p:cxnSp>
-      <p:cxnSp>
-        <p:nvCxnSpPr>
-          <p:cNvPr id="157" name="Straight Arrow Connector 156">
-            <a:extLst>
-              <a:ext uri="{FF2B5EF4-FFF2-40B4-BE49-F238E27FC236}">
-                <a16:creationId xmlns:a16="http://schemas.microsoft.com/office/drawing/2014/main" id="{C8EEAE1D-4B10-E86D-75A4-786035584984}"/>
-              </a:ext>
-            </a:extLst>
-          </p:cNvPr>
-          <p:cNvCxnSpPr>
-            <a:cxnSpLocks/>
-          </p:cNvCxnSpPr>
-          <p:nvPr/>
-        </p:nvCxnSpPr>
-        <p:spPr>
-          <a:xfrm>
-            <a:off x="7128811" y="1828647"/>
-            <a:ext cx="0" cy="2417238"/>
-          </a:xfrm>
-          <a:prstGeom prst="straightConnector1">
-            <a:avLst/>
-          </a:prstGeom>
-          <a:ln w="38100" cap="rnd">
-            <a:solidFill>
-              <a:schemeClr val="bg2">
-                <a:lumMod val="75000"/>
-              </a:schemeClr>
-            </a:solidFill>
-            <a:tailEnd type="none"/>
-          </a:ln>
-        </p:spPr>
-        <p:style>
-          <a:lnRef idx="2">
-            <a:schemeClr val="accent1"/>
-          </a:lnRef>
-          <a:fillRef idx="0">
-            <a:schemeClr val="accent1"/>
-          </a:fillRef>
-          <a:effectRef idx="1">
-            <a:schemeClr val="accent1"/>
-          </a:effectRef>
-          <a:fontRef idx="minor">
-            <a:schemeClr val="tx1"/>
-          </a:fontRef>
-        </p:style>
-      </p:cxnSp>
-      <p:cxnSp>
-        <p:nvCxnSpPr>
-          <p:cNvPr id="162" name="Straight Arrow Connector 161">
-            <a:extLst>
-              <a:ext uri="{FF2B5EF4-FFF2-40B4-BE49-F238E27FC236}">
-                <a16:creationId xmlns:a16="http://schemas.microsoft.com/office/drawing/2014/main" id="{F01B4977-49DC-6501-17EE-309695E5327E}"/>
-              </a:ext>
-            </a:extLst>
-          </p:cNvPr>
-          <p:cNvCxnSpPr>
-            <a:cxnSpLocks/>
-          </p:cNvCxnSpPr>
-          <p:nvPr/>
-        </p:nvCxnSpPr>
-        <p:spPr>
-          <a:xfrm>
-            <a:off x="7019272" y="1696601"/>
-            <a:ext cx="0" cy="2432679"/>
-          </a:xfrm>
-          <a:prstGeom prst="straightConnector1">
-            <a:avLst/>
-          </a:prstGeom>
-          <a:ln w="38100" cap="rnd">
-            <a:solidFill>
-              <a:schemeClr val="bg2">
-                <a:lumMod val="75000"/>
-              </a:schemeClr>
-            </a:solidFill>
-            <a:tailEnd type="none"/>
-          </a:ln>
-        </p:spPr>
-        <p:style>
-          <a:lnRef idx="2">
-            <a:schemeClr val="accent1"/>
-          </a:lnRef>
-          <a:fillRef idx="0">
-            <a:schemeClr val="accent1"/>
-          </a:fillRef>
-          <a:effectRef idx="1">
-            <a:schemeClr val="accent1"/>
-          </a:effectRef>
-          <a:fontRef idx="minor">
-            <a:schemeClr val="tx1"/>
-          </a:fontRef>
-        </p:style>
-      </p:cxnSp>
-      <p:cxnSp>
-        <p:nvCxnSpPr>
-          <p:cNvPr id="180" name="Straight Arrow Connector 179">
-            <a:extLst>
-              <a:ext uri="{FF2B5EF4-FFF2-40B4-BE49-F238E27FC236}">
-                <a16:creationId xmlns:a16="http://schemas.microsoft.com/office/drawing/2014/main" id="{E0E8A7A3-9222-1499-1432-D249A141A746}"/>
-              </a:ext>
-            </a:extLst>
-          </p:cNvPr>
-          <p:cNvCxnSpPr>
-            <a:cxnSpLocks/>
-          </p:cNvCxnSpPr>
-          <p:nvPr/>
-        </p:nvCxnSpPr>
-        <p:spPr>
-          <a:xfrm>
-            <a:off x="10483245" y="1081498"/>
-            <a:ext cx="0" cy="202163"/>
+            <a:off x="10483245" y="995773"/>
+            <a:ext cx="0" cy="287888"/>
           </a:xfrm>
           <a:prstGeom prst="straightConnector1">
             <a:avLst/>
@@ -11431,8 +11156,8 @@
         </p:nvCxnSpPr>
         <p:spPr>
           <a:xfrm>
-            <a:off x="6178002" y="1081498"/>
-            <a:ext cx="4305243" cy="0"/>
+            <a:off x="6317702" y="995773"/>
+            <a:ext cx="4165543" cy="0"/>
           </a:xfrm>
           <a:prstGeom prst="straightConnector1">
             <a:avLst/>
@@ -11480,7 +11205,7 @@
         <p:spPr>
           <a:xfrm>
             <a:off x="4359983" y="2008547"/>
-            <a:ext cx="1818019" cy="0"/>
+            <a:ext cx="1957719" cy="0"/>
           </a:xfrm>
           <a:prstGeom prst="straightConnector1">
             <a:avLst/>
@@ -11575,8 +11300,8 @@
         </p:nvCxnSpPr>
         <p:spPr>
           <a:xfrm flipV="1">
-            <a:off x="6178002" y="1081498"/>
-            <a:ext cx="0" cy="927049"/>
+            <a:off x="6317702" y="995773"/>
+            <a:ext cx="0" cy="1007416"/>
           </a:xfrm>
           <a:prstGeom prst="straightConnector1">
             <a:avLst/>
@@ -11757,6 +11482,190 @@
           </a:graphicData>
         </a:graphic>
       </p:graphicFrame>
+      <p:cxnSp>
+        <p:nvCxnSpPr>
+          <p:cNvPr id="31" name="Straight Arrow Connector 30">
+            <a:extLst>
+              <a:ext uri="{FF2B5EF4-FFF2-40B4-BE49-F238E27FC236}">
+                <a16:creationId xmlns:a16="http://schemas.microsoft.com/office/drawing/2014/main" id="{1D371721-A504-2796-7FD7-3F1B1B9B7AAB}"/>
+              </a:ext>
+            </a:extLst>
+          </p:cNvPr>
+          <p:cNvCxnSpPr>
+            <a:cxnSpLocks/>
+          </p:cNvCxnSpPr>
+          <p:nvPr/>
+        </p:nvCxnSpPr>
+        <p:spPr>
+          <a:xfrm flipH="1">
+            <a:off x="9327828" y="1742464"/>
+            <a:ext cx="770163" cy="334313"/>
+          </a:xfrm>
+          <a:prstGeom prst="straightConnector1">
+            <a:avLst/>
+          </a:prstGeom>
+          <a:ln w="38100" cap="rnd">
+            <a:solidFill>
+              <a:schemeClr val="bg2">
+                <a:lumMod val="75000"/>
+              </a:schemeClr>
+            </a:solidFill>
+            <a:tailEnd type="triangle"/>
+          </a:ln>
+        </p:spPr>
+        <p:style>
+          <a:lnRef idx="2">
+            <a:schemeClr val="accent1"/>
+          </a:lnRef>
+          <a:fillRef idx="0">
+            <a:schemeClr val="accent1"/>
+          </a:fillRef>
+          <a:effectRef idx="1">
+            <a:schemeClr val="accent1"/>
+          </a:effectRef>
+          <a:fontRef idx="minor">
+            <a:schemeClr val="tx1"/>
+          </a:fontRef>
+        </p:style>
+      </p:cxnSp>
+      <p:cxnSp>
+        <p:nvCxnSpPr>
+          <p:cNvPr id="38" name="Straight Arrow Connector 37">
+            <a:extLst>
+              <a:ext uri="{FF2B5EF4-FFF2-40B4-BE49-F238E27FC236}">
+                <a16:creationId xmlns:a16="http://schemas.microsoft.com/office/drawing/2014/main" id="{E387E749-02B2-FAB2-935E-18B09001A28B}"/>
+              </a:ext>
+            </a:extLst>
+          </p:cNvPr>
+          <p:cNvCxnSpPr>
+            <a:cxnSpLocks/>
+          </p:cNvCxnSpPr>
+          <p:nvPr/>
+        </p:nvCxnSpPr>
+        <p:spPr>
+          <a:xfrm flipH="1">
+            <a:off x="9337903" y="4269774"/>
+            <a:ext cx="762707" cy="342900"/>
+          </a:xfrm>
+          <a:prstGeom prst="straightConnector1">
+            <a:avLst/>
+          </a:prstGeom>
+          <a:ln w="38100" cap="rnd">
+            <a:solidFill>
+              <a:schemeClr val="bg2">
+                <a:lumMod val="75000"/>
+              </a:schemeClr>
+            </a:solidFill>
+            <a:tailEnd type="triangle"/>
+          </a:ln>
+        </p:spPr>
+        <p:style>
+          <a:lnRef idx="2">
+            <a:schemeClr val="accent1"/>
+          </a:lnRef>
+          <a:fillRef idx="0">
+            <a:schemeClr val="accent1"/>
+          </a:fillRef>
+          <a:effectRef idx="1">
+            <a:schemeClr val="accent1"/>
+          </a:effectRef>
+          <a:fontRef idx="minor">
+            <a:schemeClr val="tx1"/>
+          </a:fontRef>
+        </p:style>
+      </p:cxnSp>
+      <p:cxnSp>
+        <p:nvCxnSpPr>
+          <p:cNvPr id="44" name="Straight Arrow Connector 43">
+            <a:extLst>
+              <a:ext uri="{FF2B5EF4-FFF2-40B4-BE49-F238E27FC236}">
+                <a16:creationId xmlns:a16="http://schemas.microsoft.com/office/drawing/2014/main" id="{8CC46FA7-CC0A-B465-B7CA-E539142F4297}"/>
+              </a:ext>
+            </a:extLst>
+          </p:cNvPr>
+          <p:cNvCxnSpPr>
+            <a:cxnSpLocks/>
+          </p:cNvCxnSpPr>
+          <p:nvPr/>
+        </p:nvCxnSpPr>
+        <p:spPr>
+          <a:xfrm>
+            <a:off x="7503695" y="4627227"/>
+            <a:ext cx="0" cy="901354"/>
+          </a:xfrm>
+          <a:prstGeom prst="straightConnector1">
+            <a:avLst/>
+          </a:prstGeom>
+          <a:ln w="38100" cap="rnd">
+            <a:solidFill>
+              <a:schemeClr val="bg2">
+                <a:lumMod val="75000"/>
+              </a:schemeClr>
+            </a:solidFill>
+            <a:tailEnd type="none"/>
+          </a:ln>
+        </p:spPr>
+        <p:style>
+          <a:lnRef idx="2">
+            <a:schemeClr val="accent1"/>
+          </a:lnRef>
+          <a:fillRef idx="0">
+            <a:schemeClr val="accent1"/>
+          </a:fillRef>
+          <a:effectRef idx="1">
+            <a:schemeClr val="accent1"/>
+          </a:effectRef>
+          <a:fontRef idx="minor">
+            <a:schemeClr val="tx1"/>
+          </a:fontRef>
+        </p:style>
+      </p:cxnSp>
+      <p:cxnSp>
+        <p:nvCxnSpPr>
+          <p:cNvPr id="49" name="Straight Arrow Connector 48">
+            <a:extLst>
+              <a:ext uri="{FF2B5EF4-FFF2-40B4-BE49-F238E27FC236}">
+                <a16:creationId xmlns:a16="http://schemas.microsoft.com/office/drawing/2014/main" id="{0F3E1DF6-249A-B7E3-5968-074626F763B0}"/>
+              </a:ext>
+            </a:extLst>
+          </p:cNvPr>
+          <p:cNvCxnSpPr>
+            <a:cxnSpLocks/>
+          </p:cNvCxnSpPr>
+          <p:nvPr/>
+        </p:nvCxnSpPr>
+        <p:spPr>
+          <a:xfrm>
+            <a:off x="7506035" y="4299255"/>
+            <a:ext cx="0" cy="226228"/>
+          </a:xfrm>
+          <a:prstGeom prst="straightConnector1">
+            <a:avLst/>
+          </a:prstGeom>
+          <a:ln w="38100" cap="rnd">
+            <a:solidFill>
+              <a:schemeClr val="bg2">
+                <a:lumMod val="75000"/>
+              </a:schemeClr>
+            </a:solidFill>
+            <a:tailEnd type="none"/>
+          </a:ln>
+        </p:spPr>
+        <p:style>
+          <a:lnRef idx="2">
+            <a:schemeClr val="accent1"/>
+          </a:lnRef>
+          <a:fillRef idx="0">
+            <a:schemeClr val="accent1"/>
+          </a:fillRef>
+          <a:effectRef idx="1">
+            <a:schemeClr val="accent1"/>
+          </a:effectRef>
+          <a:fontRef idx="minor">
+            <a:schemeClr val="tx1"/>
+          </a:fontRef>
+        </p:style>
+      </p:cxnSp>
     </p:spTree>
     <p:extLst>
       <p:ext uri="{BB962C8B-B14F-4D97-AF65-F5344CB8AC3E}">
